--- a/DAEU_HTML/Cours_1/Cours programmation WEB1.pptx
+++ b/DAEU_HTML/Cours_1/Cours programmation WEB1.pptx
@@ -21,9 +21,8 @@
     <p:sldId id="269" r:id="rId15"/>
     <p:sldId id="271" r:id="rId16"/>
     <p:sldId id="272" r:id="rId17"/>
-    <p:sldId id="273" r:id="rId18"/>
-    <p:sldId id="274" r:id="rId19"/>
-    <p:sldId id="275" r:id="rId20"/>
+    <p:sldId id="274" r:id="rId18"/>
+    <p:sldId id="275" r:id="rId19"/>
   </p:sldIdLst>
   <p:sldSz cx="12192000" cy="6858000"/>
   <p:notesSz cx="6858000" cy="9144000"/>
@@ -216,6 +215,13 @@
               <a:schemeClr val="lt1"/>
             </a:fontRef>
           </p:style>
+          <p:txBody>
+            <a:bodyPr/>
+            <a:lstStyle/>
+            <a:p>
+              <a:endParaRPr lang="fr-FR"/>
+            </a:p>
+          </p:txBody>
         </p:sp>
         <p:sp>
           <p:nvSpPr>
@@ -279,6 +285,13 @@
               <a:schemeClr val="lt1"/>
             </a:fontRef>
           </p:style>
+          <p:txBody>
+            <a:bodyPr/>
+            <a:lstStyle/>
+            <a:p>
+              <a:endParaRPr lang="fr-FR"/>
+            </a:p>
+          </p:txBody>
         </p:sp>
         <p:sp>
           <p:nvSpPr>
@@ -342,6 +355,13 @@
               <a:schemeClr val="lt1"/>
             </a:fontRef>
           </p:style>
+          <p:txBody>
+            <a:bodyPr/>
+            <a:lstStyle/>
+            <a:p>
+              <a:endParaRPr lang="fr-FR"/>
+            </a:p>
+          </p:txBody>
         </p:sp>
         <p:sp>
           <p:nvSpPr>
@@ -405,6 +425,13 @@
               <a:schemeClr val="lt1"/>
             </a:fontRef>
           </p:style>
+          <p:txBody>
+            <a:bodyPr/>
+            <a:lstStyle/>
+            <a:p>
+              <a:endParaRPr lang="fr-FR"/>
+            </a:p>
+          </p:txBody>
         </p:sp>
         <p:sp>
           <p:nvSpPr>
@@ -468,6 +495,13 @@
               <a:schemeClr val="lt1"/>
             </a:fontRef>
           </p:style>
+          <p:txBody>
+            <a:bodyPr/>
+            <a:lstStyle/>
+            <a:p>
+              <a:endParaRPr lang="fr-FR"/>
+            </a:p>
+          </p:txBody>
         </p:sp>
         <p:sp>
           <p:nvSpPr>
@@ -531,6 +565,13 @@
               <a:schemeClr val="lt1"/>
             </a:fontRef>
           </p:style>
+          <p:txBody>
+            <a:bodyPr/>
+            <a:lstStyle/>
+            <a:p>
+              <a:endParaRPr lang="fr-FR"/>
+            </a:p>
+          </p:txBody>
         </p:sp>
         <p:sp>
           <p:nvSpPr>
@@ -595,6 +636,13 @@
               <a:noFill/>
             </a:ln>
           </p:spPr>
+          <p:txBody>
+            <a:bodyPr/>
+            <a:lstStyle/>
+            <a:p>
+              <a:endParaRPr lang="fr-FR"/>
+            </a:p>
+          </p:txBody>
         </p:sp>
       </p:grpSp>
       <p:sp>
@@ -777,7 +825,7 @@
             <a:fld id="{1E700B27-DE4C-4B9E-BB11-B9027034A00F}" type="datetimeFigureOut">
               <a:rPr lang="en-US" dirty="0"/>
               <a:pPr/>
-              <a:t>9/30/2024</a:t>
+              <a:t>10/1/2025</a:t>
             </a:fld>
             <a:endParaRPr lang="en-US" dirty="0"/>
           </a:p>
@@ -854,6 +902,13 @@
             <a:schemeClr val="lt1"/>
           </a:fontRef>
         </p:style>
+        <p:txBody>
+          <a:bodyPr/>
+          <a:lstStyle/>
+          <a:p>
+            <a:endParaRPr lang="fr-FR"/>
+          </a:p>
+        </p:txBody>
       </p:sp>
       <p:sp>
         <p:nvSpPr>
@@ -1897,7 +1952,7 @@
           <a:p>
             <a:fld id="{C40F4739-9812-4A9F-890D-2AD6BA5F6EE8}" type="datetimeFigureOut">
               <a:rPr lang="en-US" dirty="0"/>
-              <a:t>9/30/2024</a:t>
+              <a:t>10/1/2025</a:t>
             </a:fld>
             <a:endParaRPr lang="en-US" dirty="0"/>
           </a:p>
@@ -2908,7 +2963,7 @@
           <a:p>
             <a:fld id="{18845AC5-A3F8-44AA-BA8F-596CDCC976D3}" type="datetimeFigureOut">
               <a:rPr lang="en-US" dirty="0"/>
-              <a:t>9/30/2024</a:t>
+              <a:t>10/1/2025</a:t>
             </a:fld>
             <a:endParaRPr lang="en-US" dirty="0"/>
           </a:p>
@@ -4078,7 +4133,7 @@
           <a:p>
             <a:fld id="{C873B183-A821-4095-A363-9EC968635539}" type="datetimeFigureOut">
               <a:rPr lang="en-US" dirty="0"/>
-              <a:t>9/30/2024</a:t>
+              <a:t>10/1/2025</a:t>
             </a:fld>
             <a:endParaRPr lang="en-US" dirty="0"/>
           </a:p>
@@ -5139,7 +5194,7 @@
           <a:p>
             <a:fld id="{174D01B4-0AA5-45E6-B2E6-5FA4078AEBCF}" type="datetimeFigureOut">
               <a:rPr lang="en-US" dirty="0"/>
-              <a:t>9/30/2024</a:t>
+              <a:t>10/1/2025</a:t>
             </a:fld>
             <a:endParaRPr lang="en-US" dirty="0"/>
           </a:p>
@@ -5785,7 +5840,7 @@
           <a:p>
             <a:fld id="{4147335C-0450-40D7-8612-B3203BED4F28}" type="datetimeFigureOut">
               <a:rPr lang="en-US" dirty="0"/>
-              <a:t>9/30/2024</a:t>
+              <a:t>10/1/2025</a:t>
             </a:fld>
             <a:endParaRPr lang="en-US" dirty="0"/>
           </a:p>
@@ -6632,7 +6687,7 @@
           <a:p>
             <a:fld id="{D246A105-2A1C-4284-B4EA-07CF89B1A393}" type="datetimeFigureOut">
               <a:rPr lang="en-US" dirty="0"/>
-              <a:t>9/30/2024</a:t>
+              <a:t>10/1/2025</a:t>
             </a:fld>
             <a:endParaRPr lang="en-US" dirty="0"/>
           </a:p>
@@ -6807,7 +6862,7 @@
           <a:p>
             <a:fld id="{80DBE609-F3F2-45E6-BD6A-E03A8C86C1AE}" type="datetimeFigureOut">
               <a:rPr lang="en-US" dirty="0"/>
-              <a:t>9/30/2024</a:t>
+              <a:t>10/1/2025</a:t>
             </a:fld>
             <a:endParaRPr lang="en-US" dirty="0"/>
           </a:p>
@@ -7805,7 +7860,7 @@
           <a:p>
             <a:fld id="{7A24AD68-089C-4467-A8F3-EA2BBCA6B44E}" type="datetimeFigureOut">
               <a:rPr lang="en-US" dirty="0"/>
-              <a:t>9/30/2024</a:t>
+              <a:t>10/1/2025</a:t>
             </a:fld>
             <a:endParaRPr lang="en-US" dirty="0"/>
           </a:p>
@@ -8011,7 +8066,7 @@
           <a:p>
             <a:fld id="{75C51FCE-E4BB-4680-8E50-3C0E348D2609}" type="datetimeFigureOut">
               <a:rPr lang="en-US" dirty="0"/>
-              <a:t>9/30/2024</a:t>
+              <a:t>10/1/2025</a:t>
             </a:fld>
             <a:endParaRPr lang="en-US" dirty="0"/>
           </a:p>
@@ -9073,7 +9128,7 @@
           <a:p>
             <a:fld id="{8AAA073D-A903-47F8-8D16-77642FB0DF1F}" type="datetimeFigureOut">
               <a:rPr lang="en-US" dirty="0"/>
-              <a:t>9/30/2024</a:t>
+              <a:t>10/1/2025</a:t>
             </a:fld>
             <a:endParaRPr lang="en-US" dirty="0"/>
           </a:p>
@@ -9345,7 +9400,7 @@
           <a:p>
             <a:fld id="{AB91FA40-626B-4CA1-85D0-7A9016E395BA}" type="datetimeFigureOut">
               <a:rPr lang="en-US" dirty="0"/>
-              <a:t>9/30/2024</a:t>
+              <a:t>10/1/2025</a:t>
             </a:fld>
             <a:endParaRPr lang="en-US" dirty="0"/>
           </a:p>
@@ -9727,7 +9782,7 @@
           <a:p>
             <a:fld id="{C3F425EA-B9DC-48A7-991E-9A82573B1B21}" type="datetimeFigureOut">
               <a:rPr lang="en-US" dirty="0"/>
-              <a:t>9/30/2024</a:t>
+              <a:t>10/1/2025</a:t>
             </a:fld>
             <a:endParaRPr lang="en-US" dirty="0"/>
           </a:p>
@@ -9845,7 +9900,7 @@
           <a:p>
             <a:fld id="{66CB97F8-6CEB-469B-AFCC-889F2A2B1D5A}" type="datetimeFigureOut">
               <a:rPr lang="en-US" dirty="0"/>
-              <a:t>9/30/2024</a:t>
+              <a:t>10/1/2025</a:t>
             </a:fld>
             <a:endParaRPr lang="en-US" dirty="0"/>
           </a:p>
@@ -9940,7 +9995,7 @@
           <a:p>
             <a:fld id="{8FA9179F-009E-4FA5-B091-7EBB82A185BD}" type="datetimeFigureOut">
               <a:rPr lang="en-US" dirty="0"/>
-              <a:t>9/30/2024</a:t>
+              <a:t>10/1/2025</a:t>
             </a:fld>
             <a:endParaRPr lang="en-US" dirty="0"/>
           </a:p>
@@ -11049,7 +11104,7 @@
           <a:p>
             <a:fld id="{8E665CEB-0076-4E37-B880-BCEA9784DE0A}" type="datetimeFigureOut">
               <a:rPr lang="en-US" dirty="0"/>
-              <a:t>9/30/2024</a:t>
+              <a:t>10/1/2025</a:t>
             </a:fld>
             <a:endParaRPr lang="en-US" dirty="0"/>
           </a:p>
@@ -12182,7 +12237,7 @@
           <a:p>
             <a:fld id="{A6149E5E-3896-4118-99A7-7B85668F1C5E}" type="datetimeFigureOut">
               <a:rPr lang="en-US" dirty="0"/>
-              <a:t>9/30/2024</a:t>
+              <a:t>10/1/2025</a:t>
             </a:fld>
             <a:endParaRPr lang="en-US" dirty="0"/>
           </a:p>
@@ -12370,6 +12425,13 @@
               <a:schemeClr val="lt1"/>
             </a:fontRef>
           </p:style>
+          <p:txBody>
+            <a:bodyPr/>
+            <a:lstStyle/>
+            <a:p>
+              <a:endParaRPr lang="fr-FR"/>
+            </a:p>
+          </p:txBody>
         </p:sp>
         <p:sp>
           <p:nvSpPr>
@@ -12433,6 +12495,13 @@
               <a:schemeClr val="lt1"/>
             </a:fontRef>
           </p:style>
+          <p:txBody>
+            <a:bodyPr/>
+            <a:lstStyle/>
+            <a:p>
+              <a:endParaRPr lang="fr-FR"/>
+            </a:p>
+          </p:txBody>
         </p:sp>
         <p:sp>
           <p:nvSpPr>
@@ -12496,6 +12565,13 @@
               <a:schemeClr val="lt1"/>
             </a:fontRef>
           </p:style>
+          <p:txBody>
+            <a:bodyPr/>
+            <a:lstStyle/>
+            <a:p>
+              <a:endParaRPr lang="fr-FR"/>
+            </a:p>
+          </p:txBody>
         </p:sp>
         <p:sp>
           <p:nvSpPr>
@@ -12559,6 +12635,13 @@
               <a:schemeClr val="lt1"/>
             </a:fontRef>
           </p:style>
+          <p:txBody>
+            <a:bodyPr/>
+            <a:lstStyle/>
+            <a:p>
+              <a:endParaRPr lang="fr-FR"/>
+            </a:p>
+          </p:txBody>
         </p:sp>
         <p:sp>
           <p:nvSpPr>
@@ -12622,6 +12705,13 @@
               <a:schemeClr val="lt1"/>
             </a:fontRef>
           </p:style>
+          <p:txBody>
+            <a:bodyPr/>
+            <a:lstStyle/>
+            <a:p>
+              <a:endParaRPr lang="fr-FR"/>
+            </a:p>
+          </p:txBody>
         </p:sp>
         <p:sp>
           <p:nvSpPr>
@@ -12685,6 +12775,13 @@
               <a:schemeClr val="lt1"/>
             </a:fontRef>
           </p:style>
+          <p:txBody>
+            <a:bodyPr/>
+            <a:lstStyle/>
+            <a:p>
+              <a:endParaRPr lang="fr-FR"/>
+            </a:p>
+          </p:txBody>
         </p:sp>
         <p:sp>
           <p:nvSpPr>
@@ -12832,6 +12929,13 @@
               <a:noFill/>
             </a:ln>
           </p:spPr>
+          <p:txBody>
+            <a:bodyPr/>
+            <a:lstStyle/>
+            <a:p>
+              <a:endParaRPr lang="fr-FR"/>
+            </a:p>
+          </p:txBody>
         </p:sp>
         <p:sp>
           <p:nvSpPr>
@@ -13016,6 +13120,13 @@
               <a:noFill/>
             </a:ln>
           </p:spPr>
+          <p:txBody>
+            <a:bodyPr/>
+            <a:lstStyle/>
+            <a:p>
+              <a:endParaRPr lang="fr-FR"/>
+            </a:p>
+          </p:txBody>
         </p:sp>
         <p:sp>
           <p:nvSpPr>
@@ -13080,6 +13191,13 @@
               <a:noFill/>
             </a:ln>
           </p:spPr>
+          <p:txBody>
+            <a:bodyPr/>
+            <a:lstStyle/>
+            <a:p>
+              <a:endParaRPr lang="fr-FR"/>
+            </a:p>
+          </p:txBody>
         </p:sp>
       </p:grpSp>
       <p:sp>
@@ -13210,7 +13328,7 @@
           <a:p>
             <a:fld id="{7E0D914D-B099-4142-A885-11F276715148}" type="datetimeFigureOut">
               <a:rPr lang="en-US" dirty="0"/>
-              <a:t>9/30/2024</a:t>
+              <a:t>10/1/2025</a:t>
             </a:fld>
             <a:endParaRPr lang="en-US" dirty="0"/>
           </a:p>
@@ -13291,6 +13409,13 @@
             <a:schemeClr val="lt1"/>
           </a:fontRef>
         </p:style>
+        <p:txBody>
+          <a:bodyPr/>
+          <a:lstStyle/>
+          <a:p>
+            <a:endParaRPr lang="fr-FR"/>
+          </a:p>
+        </p:txBody>
       </p:sp>
       <p:sp>
         <p:nvSpPr>
@@ -14014,17 +14139,180 @@
         </p:nvSpPr>
         <p:spPr>
           <a:xfrm>
-            <a:off x="1715294" y="2679001"/>
-            <a:ext cx="8761412" cy="3416300"/>
+            <a:off x="1233577" y="2329132"/>
+            <a:ext cx="9243129" cy="3766169"/>
           </a:xfrm>
         </p:spPr>
         <p:txBody>
-          <a:bodyPr/>
+          <a:bodyPr>
+            <a:normAutofit fontScale="70000" lnSpcReduction="20000"/>
+          </a:bodyPr>
           <a:lstStyle/>
           <a:p>
             <a:r>
+              <a:rPr lang="fr-FR" b="1" dirty="0"/>
+              <a:t>🔹 Web designer</a:t>
+            </a:r>
+          </a:p>
+          <a:p>
+            <a:pPr lvl="1"/>
+            <a:r>
               <a:rPr lang="fr-FR" dirty="0"/>
-              <a:t>Web designer = Responsable de la création graphique pour le web.</a:t>
+              <a:t>C’est la personne qui </a:t>
+            </a:r>
+            <a:r>
+              <a:rPr lang="fr-FR" b="1" dirty="0"/>
+              <a:t>imagine le look du site</a:t>
+            </a:r>
+            <a:r>
+              <a:rPr lang="fr-FR" dirty="0"/>
+              <a:t> : couleurs, polices, disposition, identité visuelle.</a:t>
+            </a:r>
+          </a:p>
+          <a:p>
+            <a:pPr lvl="1"/>
+            <a:r>
+              <a:rPr lang="fr-FR" dirty="0"/>
+              <a:t>Il/elle ne code pas forcément : son travail est surtout graphique (maquettes avec Photoshop, </a:t>
+            </a:r>
+            <a:r>
+              <a:rPr lang="fr-FR" dirty="0" err="1"/>
+              <a:t>Figma</a:t>
+            </a:r>
+            <a:r>
+              <a:rPr lang="fr-FR" dirty="0"/>
+              <a:t>, etc.).</a:t>
+            </a:r>
+            <a:br>
+              <a:rPr lang="fr-FR" dirty="0"/>
+            </a:br>
+            <a:r>
+              <a:rPr lang="fr-FR" dirty="0"/>
+              <a:t>👉 En résumé : </a:t>
+            </a:r>
+            <a:r>
+              <a:rPr lang="fr-FR" b="1" dirty="0"/>
+              <a:t>le web designer crée l’apparence du site</a:t>
+            </a:r>
+            <a:r>
+              <a:rPr lang="fr-FR" dirty="0"/>
+              <a:t>.</a:t>
+            </a:r>
+          </a:p>
+          <a:p>
+            <a:pPr marL="457200" lvl="1" indent="0">
+              <a:buNone/>
+            </a:pPr>
+            <a:br>
+              <a:rPr lang="fr-FR" dirty="0"/>
+            </a:br>
+            <a:endParaRPr lang="fr-FR" dirty="0"/>
+          </a:p>
+          <a:p>
+            <a:r>
+              <a:rPr lang="fr-FR" b="1" dirty="0"/>
+              <a:t>🔹 Intégrateur (ou intégrateur web)</a:t>
+            </a:r>
+          </a:p>
+          <a:p>
+            <a:pPr lvl="1"/>
+            <a:r>
+              <a:rPr lang="fr-FR" dirty="0"/>
+              <a:t>Il/elle prend la maquette du web designer et la </a:t>
+            </a:r>
+            <a:r>
+              <a:rPr lang="fr-FR" b="1" dirty="0"/>
+              <a:t>transforme en page web réelle</a:t>
+            </a:r>
+            <a:r>
+              <a:rPr lang="fr-FR" dirty="0"/>
+              <a:t> grâce au code </a:t>
+            </a:r>
+            <a:r>
+              <a:rPr lang="fr-FR" b="1" dirty="0"/>
+              <a:t>HTML et CSS</a:t>
+            </a:r>
+            <a:r>
+              <a:rPr lang="fr-FR" dirty="0"/>
+              <a:t>.</a:t>
+            </a:r>
+          </a:p>
+          <a:p>
+            <a:pPr lvl="1"/>
+            <a:r>
+              <a:rPr lang="fr-FR" dirty="0"/>
+              <a:t>L’intégrateur fait en sorte que le site ressemble à ce qui a été prévu dans le design.</a:t>
+            </a:r>
+            <a:br>
+              <a:rPr lang="fr-FR" dirty="0"/>
+            </a:br>
+            <a:r>
+              <a:rPr lang="fr-FR" dirty="0"/>
+              <a:t>👉 En résumé : </a:t>
+            </a:r>
+            <a:r>
+              <a:rPr lang="fr-FR" b="1" dirty="0"/>
+              <a:t>l’intégrateur met en ligne le design avec du code</a:t>
+            </a:r>
+            <a:r>
+              <a:rPr lang="fr-FR" dirty="0"/>
+              <a:t>.</a:t>
+            </a:r>
+          </a:p>
+          <a:p>
+            <a:pPr marL="457200" lvl="1" indent="0">
+              <a:buNone/>
+            </a:pPr>
+            <a:br>
+              <a:rPr lang="fr-FR" dirty="0"/>
+            </a:br>
+            <a:endParaRPr lang="fr-FR" dirty="0"/>
+          </a:p>
+          <a:p>
+            <a:r>
+              <a:rPr lang="fr-FR" b="1" dirty="0"/>
+              <a:t>🔹 Développeur web</a:t>
+            </a:r>
+          </a:p>
+          <a:p>
+            <a:pPr lvl="1"/>
+            <a:r>
+              <a:rPr lang="fr-FR" dirty="0"/>
+              <a:t>Il/elle s’occupe de la </a:t>
+            </a:r>
+            <a:r>
+              <a:rPr lang="fr-FR" b="1" dirty="0"/>
+              <a:t>programmation avancée</a:t>
+            </a:r>
+            <a:r>
+              <a:rPr lang="fr-FR" dirty="0"/>
+              <a:t> : formulaires, gestion des utilisateurs, connexion à une base de données, tableau de bord admin, etc.</a:t>
+            </a:r>
+          </a:p>
+          <a:p>
+            <a:pPr lvl="1"/>
+            <a:r>
+              <a:rPr lang="fr-FR" dirty="0"/>
+              <a:t>Utilise des langages comme </a:t>
+            </a:r>
+            <a:r>
+              <a:rPr lang="fr-FR" b="1" dirty="0"/>
+              <a:t>JavaScript, PHP, Python, Java…</a:t>
+            </a:r>
+            <a:br>
+              <a:rPr lang="fr-FR" dirty="0"/>
+            </a:br>
+            <a:r>
+              <a:rPr lang="fr-FR" dirty="0"/>
+              <a:t>👉 En résumé : </a:t>
+            </a:r>
+            <a:r>
+              <a:rPr lang="fr-FR" b="1" dirty="0"/>
+              <a:t>le développeur rend le site intelligent et interactif</a:t>
+            </a:r>
+            <a:r>
+              <a:rPr lang="fr-FR" dirty="0"/>
+              <a:t>.</a:t>
             </a:r>
           </a:p>
           <a:p>
@@ -14032,24 +14320,6 @@
               <a:buNone/>
             </a:pPr>
             <a:endParaRPr lang="fr-FR" dirty="0"/>
-          </a:p>
-          <a:p>
-            <a:r>
-              <a:rPr lang="fr-FR" dirty="0"/>
-              <a:t>Intégrateur      = Intègre le graphisme dans le web, en réalisant le codage HTML/CSS…</a:t>
-            </a:r>
-          </a:p>
-          <a:p>
-            <a:pPr marL="0" indent="0">
-              <a:buNone/>
-            </a:pPr>
-            <a:endParaRPr lang="fr-FR" dirty="0"/>
-          </a:p>
-          <a:p>
-            <a:r>
-              <a:rPr lang="fr-FR" dirty="0"/>
-              <a:t>Développeur =  Se charge de la programmation pour rendre le site administrable.</a:t>
-            </a:r>
           </a:p>
         </p:txBody>
       </p:sp>
@@ -14122,7 +14392,7 @@
           <a:p>
             <a:r>
               <a:rPr lang="fr-FR" dirty="0"/>
-              <a:t>Balises </a:t>
+              <a:t>HTML : système de balises.</a:t>
             </a:r>
           </a:p>
           <a:p>
@@ -15400,27 +15670,142 @@
         </p:nvSpPr>
         <p:spPr>
           <a:xfrm>
-            <a:off x="1154954" y="2603499"/>
+            <a:off x="69375" y="2379213"/>
             <a:ext cx="8761412" cy="4254501"/>
           </a:xfrm>
         </p:spPr>
         <p:txBody>
           <a:bodyPr>
-            <a:normAutofit/>
+            <a:normAutofit fontScale="77500" lnSpcReduction="20000"/>
           </a:bodyPr>
           <a:lstStyle/>
           <a:p>
+            <a:r>
+              <a:rPr lang="fr-FR" b="1" dirty="0"/>
+              <a:t>🔹 Chemin relatif</a:t>
+            </a:r>
+          </a:p>
+          <a:p>
             <a:pPr lvl="1"/>
             <a:r>
               <a:rPr lang="fr-FR" dirty="0"/>
-              <a:t>Chemin relatif : depuis le dossier en cours</a:t>
-            </a:r>
-          </a:p>
-          <a:p>
-            <a:pPr lvl="2"/>
+              <a:t>Un </a:t>
+            </a:r>
+            <a:r>
+              <a:rPr lang="fr-FR" b="1" dirty="0"/>
+              <a:t>chemin relatif</a:t>
+            </a:r>
             <a:r>
               <a:rPr lang="fr-FR" dirty="0"/>
-              <a:t>dossier/page.html </a:t>
+              <a:t> indique l’emplacement d’un fichier </a:t>
+            </a:r>
+            <a:r>
+              <a:rPr lang="fr-FR" b="1" dirty="0"/>
+              <a:t>par rapport au dossier où l’on se trouve</a:t>
+            </a:r>
+            <a:r>
+              <a:rPr lang="fr-FR" dirty="0"/>
+              <a:t> (le dossier courant).</a:t>
+            </a:r>
+          </a:p>
+          <a:p>
+            <a:pPr lvl="1"/>
+            <a:r>
+              <a:rPr lang="fr-FR" dirty="0"/>
+              <a:t>dossier/page.html → signifie que le fichier </a:t>
+            </a:r>
+            <a:r>
+              <a:rPr lang="fr-FR" b="1" dirty="0"/>
+              <a:t>page.html</a:t>
+            </a:r>
+            <a:r>
+              <a:rPr lang="fr-FR" dirty="0"/>
+              <a:t> est dans un sous-dossier appelé </a:t>
+            </a:r>
+            <a:r>
+              <a:rPr lang="fr-FR" b="1" dirty="0"/>
+              <a:t>dossier</a:t>
+            </a:r>
+            <a:r>
+              <a:rPr lang="fr-FR" dirty="0"/>
+              <a:t>.</a:t>
+            </a:r>
+          </a:p>
+          <a:p>
+            <a:pPr lvl="1"/>
+            <a:r>
+              <a:rPr lang="fr-FR" dirty="0"/>
+              <a:t>../dossier/page.html → signifie que l’on </a:t>
+            </a:r>
+            <a:r>
+              <a:rPr lang="fr-FR" b="1" dirty="0"/>
+              <a:t>remonte d’un dossier</a:t>
+            </a:r>
+            <a:r>
+              <a:rPr lang="fr-FR" dirty="0"/>
+              <a:t> (dossier parent), puis on va dans </a:t>
+            </a:r>
+            <a:r>
+              <a:rPr lang="fr-FR" b="1" dirty="0"/>
+              <a:t>dossier</a:t>
+            </a:r>
+            <a:r>
+              <a:rPr lang="fr-FR" dirty="0"/>
+              <a:t> pour ouvrir </a:t>
+            </a:r>
+            <a:r>
+              <a:rPr lang="fr-FR" b="1" dirty="0"/>
+              <a:t>page.html</a:t>
+            </a:r>
+            <a:r>
+              <a:rPr lang="fr-FR" dirty="0"/>
+              <a:t>.</a:t>
+            </a:r>
+          </a:p>
+          <a:p>
+            <a:pPr lvl="1"/>
+            <a:r>
+              <a:rPr lang="fr-FR" dirty="0"/>
+              <a:t>../../dossier/page.html → signifie que l’on </a:t>
+            </a:r>
+            <a:r>
+              <a:rPr lang="fr-FR" b="1" dirty="0"/>
+              <a:t>remonte de deux dossiers en arrière</a:t>
+            </a:r>
+            <a:r>
+              <a:rPr lang="fr-FR" dirty="0"/>
+              <a:t>, puis on entre dans </a:t>
+            </a:r>
+            <a:r>
+              <a:rPr lang="fr-FR" b="1" dirty="0"/>
+              <a:t>dossier</a:t>
+            </a:r>
+            <a:r>
+              <a:rPr lang="fr-FR" dirty="0"/>
+              <a:t> et on ouvre </a:t>
+            </a:r>
+            <a:r>
+              <a:rPr lang="fr-FR" b="1" dirty="0"/>
+              <a:t>page.html</a:t>
+            </a:r>
+            <a:r>
+              <a:rPr lang="fr-FR" dirty="0"/>
+              <a:t>.</a:t>
+            </a:r>
+          </a:p>
+          <a:p>
+            <a:pPr lvl="1"/>
+            <a:r>
+              <a:rPr lang="fr-FR" dirty="0"/>
+              <a:t>👉 Avec les chemins relatifs, on navigue </a:t>
+            </a:r>
+            <a:r>
+              <a:rPr lang="fr-FR" b="1" dirty="0"/>
+              <a:t>étape par étape dans les dossiers</a:t>
+            </a:r>
+            <a:r>
+              <a:rPr lang="fr-FR" dirty="0"/>
+              <a:t>, un peu comme si on se déplaçait dans l’explorateur de fichiers.</a:t>
             </a:r>
             <a:br>
               <a:rPr lang="fr-FR" dirty="0"/>
@@ -15428,63 +15813,77 @@
             <a:endParaRPr lang="fr-FR" dirty="0"/>
           </a:p>
           <a:p>
+            <a:r>
+              <a:rPr lang="fr-FR" b="1" dirty="0"/>
+              <a:t>🔹 Chemin absolu</a:t>
+            </a:r>
+          </a:p>
+          <a:p>
             <a:pPr lvl="1"/>
             <a:r>
               <a:rPr lang="fr-FR" dirty="0"/>
-              <a:t>Chemin absolue : depuis la racine du système ( sous Windows C:\ )</a:t>
-            </a:r>
-          </a:p>
-          <a:p>
-            <a:pPr lvl="2"/>
+              <a:t>Un </a:t>
+            </a:r>
+            <a:r>
+              <a:rPr lang="fr-FR" b="1" dirty="0"/>
+              <a:t>chemin absolu</a:t>
+            </a:r>
             <a:r>
               <a:rPr lang="fr-FR" dirty="0"/>
-              <a:t>/dossier/page.html</a:t>
+              <a:t> donne l’adresse complète du fichier </a:t>
+            </a:r>
+            <a:r>
+              <a:rPr lang="fr-FR" b="1" dirty="0"/>
+              <a:t>depuis la racine du système</a:t>
+            </a:r>
+            <a:r>
+              <a:rPr lang="fr-FR" dirty="0"/>
+              <a:t>.</a:t>
             </a:r>
           </a:p>
           <a:p>
             <a:pPr lvl="1"/>
             <a:r>
               <a:rPr lang="fr-FR" dirty="0"/>
-              <a:t>Comment naviguer avec un chemin relatif ?</a:t>
-            </a:r>
-          </a:p>
-          <a:p>
-            <a:pPr lvl="2"/>
+              <a:t>Sous Windows : C:\dossier\page.html</a:t>
+            </a:r>
+          </a:p>
+          <a:p>
+            <a:pPr lvl="1"/>
             <a:r>
               <a:rPr lang="fr-FR" dirty="0"/>
-              <a:t>Par exemple, si je souhaite remonter d’un dossier</a:t>
-            </a:r>
-          </a:p>
-          <a:p>
-            <a:pPr lvl="3"/>
+              <a:t>Sous Linux/Mac : /dossier/page.html</a:t>
+            </a:r>
+          </a:p>
+          <a:p>
+            <a:pPr lvl="1"/>
             <a:r>
               <a:rPr lang="fr-FR" dirty="0"/>
-              <a:t>dossier/page.html              Signifie que la page est à partir du dossier courant </a:t>
-            </a:r>
-          </a:p>
-          <a:p>
-            <a:pPr lvl="3"/>
+              <a:t>👉 Peu importe où l’on se trouve, le chemin absolu est </a:t>
+            </a:r>
+            <a:r>
+              <a:rPr lang="fr-FR" b="1" dirty="0"/>
+              <a:t>fixe</a:t>
+            </a:r>
             <a:r>
               <a:rPr lang="fr-FR" dirty="0"/>
-              <a:t>../dossier/page.html             Signifie que la page est à partir du dossier parent, on 						          remonte d’un niveau.</a:t>
-            </a:r>
-          </a:p>
-          <a:p>
-            <a:pPr lvl="8"/>
-            <a:r>
-              <a:rPr lang="fr-FR" dirty="0"/>
-              <a:t>Si on doit remonter de plusieurs niveaux  on peut cumuler les ../</a:t>
-            </a:r>
-          </a:p>
-          <a:p>
-            <a:pPr lvl="8"/>
-            <a:r>
-              <a:rPr lang="fr-FR" dirty="0"/>
-              <a:t>Exemple : ../../dossier/page.html 	    retour de deux dossier arrière</a:t>
-            </a:r>
-          </a:p>
-          <a:p>
-            <a:pPr lvl="3"/>
+              <a:t> et pointe toujours vers le même endroit.</a:t>
+            </a:r>
+          </a:p>
+          <a:p>
+            <a:pPr lvl="1"/>
+            <a:endParaRPr lang="fr-FR" dirty="0"/>
+          </a:p>
+          <a:p>
+            <a:pPr marL="457200" lvl="1" indent="0">
+              <a:buNone/>
+            </a:pPr>
+            <a:endParaRPr lang="fr-FR" dirty="0"/>
+          </a:p>
+          <a:p>
+            <a:pPr marL="1371600" lvl="3" indent="0">
+              <a:buNone/>
+            </a:pPr>
             <a:endParaRPr lang="fr-FR" dirty="0"/>
           </a:p>
           <a:p>
@@ -15596,6 +15995,123 @@
           </a:fontRef>
         </p:style>
       </p:cxnSp>
+      <p:sp>
+        <p:nvSpPr>
+          <p:cNvPr id="9" name="ZoneTexte 8">
+            <a:extLst>
+              <a:ext uri="{FF2B5EF4-FFF2-40B4-BE49-F238E27FC236}">
+                <a16:creationId xmlns:a16="http://schemas.microsoft.com/office/drawing/2014/main" id="{C883AD5F-2884-92EE-FB1B-4DE94AB23896}"/>
+              </a:ext>
+            </a:extLst>
+          </p:cNvPr>
+          <p:cNvSpPr txBox="1"/>
+          <p:nvPr/>
+        </p:nvSpPr>
+        <p:spPr>
+          <a:xfrm>
+            <a:off x="9146663" y="3278037"/>
+            <a:ext cx="2820837" cy="2123658"/>
+          </a:xfrm>
+          <a:prstGeom prst="rect">
+            <a:avLst/>
+          </a:prstGeom>
+          <a:noFill/>
+        </p:spPr>
+        <p:txBody>
+          <a:bodyPr wrap="square" rtlCol="0">
+            <a:spAutoFit/>
+          </a:bodyPr>
+          <a:lstStyle/>
+          <a:p>
+            <a:pPr algn="ctr"/>
+            <a:r>
+              <a:rPr lang="fr-FR" sz="2000" b="1" dirty="0"/>
+              <a:t>Résume </a:t>
+            </a:r>
+          </a:p>
+          <a:p>
+            <a:endParaRPr lang="fr-FR" dirty="0"/>
+          </a:p>
+          <a:p>
+            <a:r>
+              <a:rPr lang="fr-FR" sz="1400" b="1" dirty="0"/>
+              <a:t>Chemin relatif </a:t>
+            </a:r>
+            <a:r>
+              <a:rPr lang="fr-FR" sz="1400" b="1" dirty="0">
+                <a:sym typeface="Wingdings" panose="05000000000000000000" pitchFamily="2" charset="2"/>
+              </a:rPr>
+              <a:t> </a:t>
+            </a:r>
+            <a:r>
+              <a:rPr lang="fr-FR" sz="1200" dirty="0">
+                <a:sym typeface="Wingdings" panose="05000000000000000000" pitchFamily="2" charset="2"/>
+              </a:rPr>
+              <a:t>dépend du dossier où on est (on peut utiliser ../ pour remonter</a:t>
+            </a:r>
+          </a:p>
+          <a:p>
+            <a:endParaRPr lang="fr-FR" dirty="0">
+              <a:sym typeface="Wingdings" panose="05000000000000000000" pitchFamily="2" charset="2"/>
+            </a:endParaRPr>
+          </a:p>
+          <a:p>
+            <a:r>
+              <a:rPr lang="fr-FR" sz="1400" b="1" dirty="0"/>
+              <a:t>Chemin absolu </a:t>
+            </a:r>
+            <a:r>
+              <a:rPr lang="fr-FR" sz="1400" b="1" dirty="0">
+                <a:sym typeface="Wingdings" panose="05000000000000000000" pitchFamily="2" charset="2"/>
+              </a:rPr>
+              <a:t> </a:t>
+            </a:r>
+            <a:r>
+              <a:rPr lang="fr-FR" sz="1200" dirty="0">
+                <a:sym typeface="Wingdings" panose="05000000000000000000" pitchFamily="2" charset="2"/>
+              </a:rPr>
+              <a:t>l’adresse complète du fichier depuis la racine (toujours la même).</a:t>
+            </a:r>
+            <a:endParaRPr lang="fr-FR" dirty="0"/>
+          </a:p>
+        </p:txBody>
+      </p:sp>
+      <p:cxnSp>
+        <p:nvCxnSpPr>
+          <p:cNvPr id="19" name="Connecteur droit 18">
+            <a:extLst>
+              <a:ext uri="{FF2B5EF4-FFF2-40B4-BE49-F238E27FC236}">
+                <a16:creationId xmlns:a16="http://schemas.microsoft.com/office/drawing/2014/main" id="{C7CD1855-9A33-D991-00F4-E4B4638CADE2}"/>
+              </a:ext>
+            </a:extLst>
+          </p:cNvPr>
+          <p:cNvCxnSpPr/>
+          <p:nvPr/>
+        </p:nvCxnSpPr>
+        <p:spPr>
+          <a:xfrm>
+            <a:off x="8830787" y="2379213"/>
+            <a:ext cx="0" cy="4107851"/>
+          </a:xfrm>
+          <a:prstGeom prst="line">
+            <a:avLst/>
+          </a:prstGeom>
+        </p:spPr>
+        <p:style>
+          <a:lnRef idx="1">
+            <a:schemeClr val="dk1"/>
+          </a:lnRef>
+          <a:fillRef idx="0">
+            <a:schemeClr val="dk1"/>
+          </a:fillRef>
+          <a:effectRef idx="0">
+            <a:schemeClr val="dk1"/>
+          </a:effectRef>
+          <a:fontRef idx="minor">
+            <a:schemeClr val="tx1"/>
+          </a:fontRef>
+        </p:style>
+      </p:cxnSp>
     </p:spTree>
     <p:extLst>
       <p:ext uri="{BB962C8B-B14F-4D97-AF65-F5344CB8AC3E}">
@@ -15643,133 +16159,6 @@
           <a:p>
             <a:r>
               <a:rPr lang="fr-FR" dirty="0"/>
-              <a:t>Vois sur ton chemin…</a:t>
-            </a:r>
-          </a:p>
-        </p:txBody>
-      </p:sp>
-      <p:sp>
-        <p:nvSpPr>
-          <p:cNvPr id="3" name="Espace réservé du contenu 2"/>
-          <p:cNvSpPr>
-            <a:spLocks noGrp="1"/>
-          </p:cNvSpPr>
-          <p:nvPr>
-            <p:ph idx="1"/>
-          </p:nvPr>
-        </p:nvSpPr>
-        <p:spPr/>
-        <p:txBody>
-          <a:bodyPr/>
-          <a:lstStyle/>
-          <a:p>
-            <a:pPr lvl="1"/>
-            <a:r>
-              <a:rPr lang="fr-FR" dirty="0"/>
-              <a:t>Pour obtenir la racine du serveur WEB, on utilise la variable </a:t>
-            </a:r>
-            <a:r>
-              <a:rPr lang="fr-FR" dirty="0" err="1"/>
-              <a:t>php</a:t>
-            </a:r>
-            <a:r>
-              <a:rPr lang="fr-FR" dirty="0"/>
-              <a:t> $_SERVER[‘DOCUMENT_ROOT’] en préfixe</a:t>
-            </a:r>
-          </a:p>
-          <a:p>
-            <a:pPr marL="457200" lvl="1" indent="0">
-              <a:buNone/>
-            </a:pPr>
-            <a:endParaRPr lang="fr-FR" dirty="0"/>
-          </a:p>
-          <a:p>
-            <a:pPr marL="457200" lvl="1" indent="0">
-              <a:buNone/>
-            </a:pPr>
-            <a:r>
-              <a:rPr lang="fr-FR" dirty="0"/>
-              <a:t>Par exemple :   $_SERVER[‘DOCUMENT_ROOT’] /dossier/page.html </a:t>
-            </a:r>
-          </a:p>
-          <a:p>
-            <a:pPr marL="457200" lvl="1" indent="0">
-              <a:buNone/>
-            </a:pPr>
-            <a:endParaRPr lang="fr-FR" dirty="0"/>
-          </a:p>
-          <a:p>
-            <a:pPr marL="457200" lvl="1" indent="0">
-              <a:buNone/>
-            </a:pPr>
-            <a:br>
-              <a:rPr lang="fr-FR" dirty="0"/>
-            </a:br>
-            <a:br>
-              <a:rPr lang="fr-FR" dirty="0"/>
-            </a:br>
-            <a:r>
-              <a:rPr lang="fr-FR" dirty="0"/>
-              <a:t>				</a:t>
-            </a:r>
-            <a:r>
-              <a:rPr lang="fr-FR" b="1" dirty="0">
-                <a:solidFill>
-                  <a:srgbClr val="FF0000"/>
-                </a:solidFill>
-              </a:rPr>
-              <a:t>Ne fonctionne qu’en environnement PHP</a:t>
-            </a:r>
-          </a:p>
-        </p:txBody>
-      </p:sp>
-    </p:spTree>
-    <p:extLst>
-      <p:ext uri="{BB962C8B-B14F-4D97-AF65-F5344CB8AC3E}">
-        <p14:creationId xmlns:p14="http://schemas.microsoft.com/office/powerpoint/2010/main" val="1387843973"/>
-      </p:ext>
-    </p:extLst>
-  </p:cSld>
-  <p:clrMapOvr>
-    <a:masterClrMapping/>
-  </p:clrMapOvr>
-</p:sld>
-</file>
-
-<file path=ppt/slides/slide18.xml><?xml version="1.0" encoding="utf-8"?>
-<p:sld xmlns:a="http://schemas.openxmlformats.org/drawingml/2006/main" xmlns:r="http://schemas.openxmlformats.org/officeDocument/2006/relationships" xmlns:p="http://schemas.openxmlformats.org/presentationml/2006/main">
-  <p:cSld>
-    <p:spTree>
-      <p:nvGrpSpPr>
-        <p:cNvPr id="1" name=""/>
-        <p:cNvGrpSpPr/>
-        <p:nvPr/>
-      </p:nvGrpSpPr>
-      <p:grpSpPr>
-        <a:xfrm>
-          <a:off x="0" y="0"/>
-          <a:ext cx="0" cy="0"/>
-          <a:chOff x="0" y="0"/>
-          <a:chExt cx="0" cy="0"/>
-        </a:xfrm>
-      </p:grpSpPr>
-      <p:sp>
-        <p:nvSpPr>
-          <p:cNvPr id="2" name="Titre 1"/>
-          <p:cNvSpPr>
-            <a:spLocks noGrp="1"/>
-          </p:cNvSpPr>
-          <p:nvPr>
-            <p:ph type="title"/>
-          </p:nvPr>
-        </p:nvSpPr>
-        <p:spPr/>
-        <p:txBody>
-          <a:bodyPr/>
-          <a:lstStyle/>
-          <a:p>
-            <a:r>
-              <a:rPr lang="fr-FR" dirty="0"/>
               <a:t>De nouvelles balises</a:t>
             </a:r>
           </a:p>
@@ -15917,7 +16306,7 @@
 </p:sld>
 </file>
 
-<file path=ppt/slides/slide19.xml><?xml version="1.0" encoding="utf-8"?>
+<file path=ppt/slides/slide18.xml><?xml version="1.0" encoding="utf-8"?>
 <p:sld xmlns:a="http://schemas.openxmlformats.org/drawingml/2006/main" xmlns:r="http://schemas.openxmlformats.org/officeDocument/2006/relationships" xmlns:p="http://schemas.openxmlformats.org/presentationml/2006/main">
   <p:cSld>
     <p:spTree>
@@ -17354,23 +17743,183 @@
             <p:ph idx="1"/>
           </p:nvPr>
         </p:nvSpPr>
-        <p:spPr/>
+        <p:spPr>
+          <a:xfrm>
+            <a:off x="1154955" y="2406770"/>
+            <a:ext cx="9722954" cy="3613030"/>
+          </a:xfrm>
+        </p:spPr>
         <p:txBody>
-          <a:bodyPr/>
+          <a:bodyPr>
+            <a:normAutofit fontScale="85000" lnSpcReduction="20000"/>
+          </a:bodyPr>
           <a:lstStyle/>
           <a:p>
             <a:r>
+              <a:rPr lang="fr-FR" b="1" dirty="0"/>
+              <a:t>🔹 Code côté client</a:t>
+            </a:r>
+          </a:p>
+          <a:p>
+            <a:pPr lvl="1"/>
+            <a:r>
               <a:rPr lang="fr-FR" dirty="0"/>
-              <a:t>Code côté client :</a:t>
-            </a:r>
-          </a:p>
-          <a:p>
-            <a:pPr marL="0" indent="0">
-              <a:buNone/>
-            </a:pPr>
+              <a:t>Le code </a:t>
+            </a:r>
+            <a:r>
+              <a:rPr lang="fr-FR" b="1" dirty="0"/>
+              <a:t>côté client</a:t>
+            </a:r>
             <a:r>
               <a:rPr lang="fr-FR" dirty="0"/>
-              <a:t>	Soit on insère du code dans la page HTML pour la rendre dynamique et 	le code est interprété par le client, on se servira de JavaScript ( menus 	interactifs etc..)</a:t>
+              <a:t> s’exécute directement dans le </a:t>
+            </a:r>
+            <a:r>
+              <a:rPr lang="fr-FR" b="1" dirty="0"/>
+              <a:t>navigateur</a:t>
+            </a:r>
+            <a:r>
+              <a:rPr lang="fr-FR" dirty="0"/>
+              <a:t> de l’utilisateur (Chrome, Firefox, etc.).</a:t>
+            </a:r>
+          </a:p>
+          <a:p>
+            <a:pPr lvl="1"/>
+            <a:r>
+              <a:rPr lang="fr-FR" b="1" dirty="0"/>
+              <a:t>HTML</a:t>
+            </a:r>
+            <a:r>
+              <a:rPr lang="fr-FR" dirty="0"/>
+              <a:t> : structure de la page (titres, paragraphes, images).</a:t>
+            </a:r>
+          </a:p>
+          <a:p>
+            <a:pPr lvl="1"/>
+            <a:r>
+              <a:rPr lang="fr-FR" b="1" dirty="0"/>
+              <a:t>CSS</a:t>
+            </a:r>
+            <a:r>
+              <a:rPr lang="fr-FR" dirty="0"/>
+              <a:t> : habillage (couleurs, mise en page, styles).</a:t>
+            </a:r>
+          </a:p>
+          <a:p>
+            <a:pPr lvl="1"/>
+            <a:r>
+              <a:rPr lang="fr-FR" b="1" dirty="0"/>
+              <a:t>JavaScript</a:t>
+            </a:r>
+            <a:r>
+              <a:rPr lang="fr-FR" dirty="0"/>
+              <a:t> : rend la page </a:t>
+            </a:r>
+            <a:r>
+              <a:rPr lang="fr-FR" b="1" dirty="0"/>
+              <a:t>interactive</a:t>
+            </a:r>
+            <a:r>
+              <a:rPr lang="fr-FR" dirty="0"/>
+              <a:t> (menus déroulants, formulaires dynamiques, animations, etc.).</a:t>
+            </a:r>
+          </a:p>
+          <a:p>
+            <a:pPr lvl="2"/>
+            <a:r>
+              <a:rPr lang="fr-FR" dirty="0"/>
+              <a:t>👉 Bref : le côté client, c’est ce que l’utilisateur </a:t>
+            </a:r>
+            <a:r>
+              <a:rPr lang="fr-FR" b="1" dirty="0"/>
+              <a:t>voit</a:t>
+            </a:r>
+            <a:r>
+              <a:rPr lang="fr-FR" dirty="0"/>
+              <a:t> et avec quoi il </a:t>
+            </a:r>
+            <a:r>
+              <a:rPr lang="fr-FR" b="1" dirty="0"/>
+              <a:t>interagit</a:t>
+            </a:r>
+            <a:r>
+              <a:rPr lang="fr-FR" dirty="0"/>
+              <a:t>.</a:t>
+            </a:r>
+            <a:br>
+              <a:rPr lang="fr-FR" dirty="0"/>
+            </a:br>
+            <a:endParaRPr lang="fr-FR" dirty="0"/>
+          </a:p>
+          <a:p>
+            <a:r>
+              <a:rPr lang="fr-FR" b="1" dirty="0"/>
+              <a:t>🔹 Code côté serveur</a:t>
+            </a:r>
+          </a:p>
+          <a:p>
+            <a:pPr lvl="1"/>
+            <a:r>
+              <a:rPr lang="fr-FR" dirty="0"/>
+              <a:t>Le code </a:t>
+            </a:r>
+            <a:r>
+              <a:rPr lang="fr-FR" b="1" dirty="0"/>
+              <a:t>côté serveur</a:t>
+            </a:r>
+            <a:r>
+              <a:rPr lang="fr-FR" dirty="0"/>
+              <a:t> s’exécute sur l’</a:t>
+            </a:r>
+            <a:r>
+              <a:rPr lang="fr-FR" b="1" dirty="0"/>
+              <a:t>ordinateur du serveur</a:t>
+            </a:r>
+            <a:r>
+              <a:rPr lang="fr-FR" dirty="0"/>
+              <a:t> (là où est hébergé le site).</a:t>
+            </a:r>
+          </a:p>
+          <a:p>
+            <a:pPr lvl="1"/>
+            <a:r>
+              <a:rPr lang="fr-FR" dirty="0"/>
+              <a:t>Il peut </a:t>
+            </a:r>
+            <a:r>
+              <a:rPr lang="fr-FR" b="1" dirty="0"/>
+              <a:t>générer du contenu</a:t>
+            </a:r>
+            <a:r>
+              <a:rPr lang="fr-FR" dirty="0"/>
+              <a:t> avant de l’envoyer au navigateur.</a:t>
+            </a:r>
+          </a:p>
+          <a:p>
+            <a:pPr lvl="1"/>
+            <a:r>
+              <a:rPr lang="fr-FR" dirty="0"/>
+              <a:t>Il utilise des langages comme </a:t>
+            </a:r>
+            <a:r>
+              <a:rPr lang="fr-FR" b="1" dirty="0"/>
+              <a:t>PHP, Python, Node.js, Java…</a:t>
+            </a:r>
+            <a:endParaRPr lang="fr-FR" dirty="0"/>
+          </a:p>
+          <a:p>
+            <a:pPr lvl="1"/>
+            <a:r>
+              <a:rPr lang="fr-FR" dirty="0"/>
+              <a:t>Il sert aussi à </a:t>
+            </a:r>
+            <a:r>
+              <a:rPr lang="fr-FR" b="1" dirty="0"/>
+              <a:t>accéder aux bases de données</a:t>
+            </a:r>
+            <a:r>
+              <a:rPr lang="fr-FR" dirty="0"/>
+              <a:t> (par exemple avec SQL) pour afficher des infos : liste de produits, messages, comptes utilisateurs, etc.</a:t>
             </a:r>
           </a:p>
           <a:p>
@@ -17378,21 +17927,6 @@
               <a:buNone/>
             </a:pPr>
             <a:endParaRPr lang="fr-FR" dirty="0"/>
-          </a:p>
-          <a:p>
-            <a:r>
-              <a:rPr lang="fr-FR" dirty="0"/>
-              <a:t>Code côté serveur :</a:t>
-            </a:r>
-          </a:p>
-          <a:p>
-            <a:pPr marL="0" indent="0">
-              <a:buNone/>
-            </a:pPr>
-            <a:r>
-              <a:rPr lang="fr-FR" dirty="0"/>
-              <a:t>	On utilise des langages comme PHP pour générer des pages 	dynamiques et accéder à des bases de données via SQL.</a:t>
-            </a:r>
           </a:p>
         </p:txBody>
       </p:sp>
